--- a/lesson6/数值计算.pptx
+++ b/lesson6/数值计算.pptx
@@ -14,6 +14,7 @@
     <p:sldId id="264" r:id="rId8"/>
     <p:sldId id="261" r:id="rId9"/>
     <p:sldId id="262" r:id="rId10"/>
+    <p:sldId id="265" r:id="rId11"/>
   </p:sldIdLst>
   <p:sldSz cx="12192000" cy="6858000"/>
   <p:notesSz cx="6858000" cy="9144000"/>
@@ -112,6 +113,11 @@
       </a:defRPr>
     </a:lvl9pPr>
   </p:defaultTextStyle>
+  <p:extLst>
+    <p:ext uri="{EFAFB233-063F-42B5-8137-9DF3F51BA10A}">
+      <p15:sldGuideLst xmlns:p15="http://schemas.microsoft.com/office/powerpoint/2012/main"/>
+    </p:ext>
+  </p:extLst>
 </p:presentation>
 </file>
 
@@ -246,7 +252,7 @@
           <a:p>
             <a:fld id="{E168C6F0-10AE-4EAA-AE46-C28C6B1D25BE}" type="datetimeFigureOut">
               <a:rPr lang="en-GB" smtClean="0"/>
-              <a:t>20/09/2016</a:t>
+              <a:t>21/09/2016</a:t>
             </a:fld>
             <a:endParaRPr lang="en-GB"/>
           </a:p>
@@ -416,7 +422,7 @@
           <a:p>
             <a:fld id="{E168C6F0-10AE-4EAA-AE46-C28C6B1D25BE}" type="datetimeFigureOut">
               <a:rPr lang="en-GB" smtClean="0"/>
-              <a:t>20/09/2016</a:t>
+              <a:t>21/09/2016</a:t>
             </a:fld>
             <a:endParaRPr lang="en-GB"/>
           </a:p>
@@ -596,7 +602,7 @@
           <a:p>
             <a:fld id="{E168C6F0-10AE-4EAA-AE46-C28C6B1D25BE}" type="datetimeFigureOut">
               <a:rPr lang="en-GB" smtClean="0"/>
-              <a:t>20/09/2016</a:t>
+              <a:t>21/09/2016</a:t>
             </a:fld>
             <a:endParaRPr lang="en-GB"/>
           </a:p>
@@ -766,7 +772,7 @@
           <a:p>
             <a:fld id="{E168C6F0-10AE-4EAA-AE46-C28C6B1D25BE}" type="datetimeFigureOut">
               <a:rPr lang="en-GB" smtClean="0"/>
-              <a:t>20/09/2016</a:t>
+              <a:t>21/09/2016</a:t>
             </a:fld>
             <a:endParaRPr lang="en-GB"/>
           </a:p>
@@ -1012,7 +1018,7 @@
           <a:p>
             <a:fld id="{E168C6F0-10AE-4EAA-AE46-C28C6B1D25BE}" type="datetimeFigureOut">
               <a:rPr lang="en-GB" smtClean="0"/>
-              <a:t>20/09/2016</a:t>
+              <a:t>21/09/2016</a:t>
             </a:fld>
             <a:endParaRPr lang="en-GB"/>
           </a:p>
@@ -1244,7 +1250,7 @@
           <a:p>
             <a:fld id="{E168C6F0-10AE-4EAA-AE46-C28C6B1D25BE}" type="datetimeFigureOut">
               <a:rPr lang="en-GB" smtClean="0"/>
-              <a:t>20/09/2016</a:t>
+              <a:t>21/09/2016</a:t>
             </a:fld>
             <a:endParaRPr lang="en-GB"/>
           </a:p>
@@ -1611,7 +1617,7 @@
           <a:p>
             <a:fld id="{E168C6F0-10AE-4EAA-AE46-C28C6B1D25BE}" type="datetimeFigureOut">
               <a:rPr lang="en-GB" smtClean="0"/>
-              <a:t>20/09/2016</a:t>
+              <a:t>21/09/2016</a:t>
             </a:fld>
             <a:endParaRPr lang="en-GB"/>
           </a:p>
@@ -1729,7 +1735,7 @@
           <a:p>
             <a:fld id="{E168C6F0-10AE-4EAA-AE46-C28C6B1D25BE}" type="datetimeFigureOut">
               <a:rPr lang="en-GB" smtClean="0"/>
-              <a:t>20/09/2016</a:t>
+              <a:t>21/09/2016</a:t>
             </a:fld>
             <a:endParaRPr lang="en-GB"/>
           </a:p>
@@ -1824,7 +1830,7 @@
           <a:p>
             <a:fld id="{E168C6F0-10AE-4EAA-AE46-C28C6B1D25BE}" type="datetimeFigureOut">
               <a:rPr lang="en-GB" smtClean="0"/>
-              <a:t>20/09/2016</a:t>
+              <a:t>21/09/2016</a:t>
             </a:fld>
             <a:endParaRPr lang="en-GB"/>
           </a:p>
@@ -2101,7 +2107,7 @@
           <a:p>
             <a:fld id="{E168C6F0-10AE-4EAA-AE46-C28C6B1D25BE}" type="datetimeFigureOut">
               <a:rPr lang="en-GB" smtClean="0"/>
-              <a:t>20/09/2016</a:t>
+              <a:t>21/09/2016</a:t>
             </a:fld>
             <a:endParaRPr lang="en-GB"/>
           </a:p>
@@ -2354,7 +2360,7 @@
           <a:p>
             <a:fld id="{E168C6F0-10AE-4EAA-AE46-C28C6B1D25BE}" type="datetimeFigureOut">
               <a:rPr lang="en-GB" smtClean="0"/>
-              <a:t>20/09/2016</a:t>
+              <a:t>21/09/2016</a:t>
             </a:fld>
             <a:endParaRPr lang="en-GB"/>
           </a:p>
@@ -2567,7 +2573,7 @@
           <a:p>
             <a:fld id="{E168C6F0-10AE-4EAA-AE46-C28C6B1D25BE}" type="datetimeFigureOut">
               <a:rPr lang="en-GB" smtClean="0"/>
-              <a:t>20/09/2016</a:t>
+              <a:t>21/09/2016</a:t>
             </a:fld>
             <a:endParaRPr lang="en-GB"/>
           </a:p>
@@ -3035,6 +3041,109 @@
 </p:sld>
 </file>
 
+<file path=ppt/slides/slide10.xml><?xml version="1.0" encoding="utf-8"?>
+<p:sld xmlns:a="http://schemas.openxmlformats.org/drawingml/2006/main" xmlns:r="http://schemas.openxmlformats.org/officeDocument/2006/relationships" xmlns:p="http://schemas.openxmlformats.org/presentationml/2006/main">
+  <p:cSld>
+    <p:spTree>
+      <p:nvGrpSpPr>
+        <p:cNvPr id="1" name=""/>
+        <p:cNvGrpSpPr/>
+        <p:nvPr/>
+      </p:nvGrpSpPr>
+      <p:grpSpPr>
+        <a:xfrm>
+          <a:off x="0" y="0"/>
+          <a:ext cx="0" cy="0"/>
+          <a:chOff x="0" y="0"/>
+          <a:chExt cx="0" cy="0"/>
+        </a:xfrm>
+      </p:grpSpPr>
+      <p:sp>
+        <p:nvSpPr>
+          <p:cNvPr id="2" name="Title 1"/>
+          <p:cNvSpPr>
+            <a:spLocks noGrp="1"/>
+          </p:cNvSpPr>
+          <p:nvPr>
+            <p:ph type="title"/>
+          </p:nvPr>
+        </p:nvSpPr>
+        <p:spPr/>
+        <p:txBody>
+          <a:bodyPr/>
+          <a:lstStyle/>
+          <a:p>
+            <a:r>
+              <a:rPr lang="zh-CN" altLang="en-US" dirty="0"/>
+              <a:t>回归</a:t>
+            </a:r>
+            <a:endParaRPr lang="en-GB" dirty="0"/>
+          </a:p>
+        </p:txBody>
+      </p:sp>
+      <p:pic>
+        <p:nvPicPr>
+          <p:cNvPr id="4" name="Content Placeholder 3"/>
+          <p:cNvPicPr>
+            <a:picLocks noGrp="1" noChangeAspect="1"/>
+          </p:cNvPicPr>
+          <p:nvPr>
+            <p:ph idx="1"/>
+          </p:nvPr>
+        </p:nvPicPr>
+        <p:blipFill>
+          <a:blip r:embed="rId2"/>
+          <a:stretch>
+            <a:fillRect/>
+          </a:stretch>
+        </p:blipFill>
+        <p:spPr>
+          <a:xfrm>
+            <a:off x="838199" y="1690688"/>
+            <a:ext cx="9469089" cy="1281112"/>
+          </a:xfrm>
+          <a:prstGeom prst="rect">
+            <a:avLst/>
+          </a:prstGeom>
+        </p:spPr>
+      </p:pic>
+      <p:pic>
+        <p:nvPicPr>
+          <p:cNvPr id="5" name="Picture 4"/>
+          <p:cNvPicPr>
+            <a:picLocks noChangeAspect="1"/>
+          </p:cNvPicPr>
+          <p:nvPr/>
+        </p:nvPicPr>
+        <p:blipFill>
+          <a:blip r:embed="rId3"/>
+          <a:stretch>
+            <a:fillRect/>
+          </a:stretch>
+        </p:blipFill>
+        <p:spPr>
+          <a:xfrm>
+            <a:off x="838199" y="3016251"/>
+            <a:ext cx="9624647" cy="2357754"/>
+          </a:xfrm>
+          <a:prstGeom prst="rect">
+            <a:avLst/>
+          </a:prstGeom>
+        </p:spPr>
+      </p:pic>
+    </p:spTree>
+    <p:extLst>
+      <p:ext uri="{BB962C8B-B14F-4D97-AF65-F5344CB8AC3E}">
+        <p14:creationId xmlns:p14="http://schemas.microsoft.com/office/powerpoint/2010/main" val="3591862109"/>
+      </p:ext>
+    </p:extLst>
+  </p:cSld>
+  <p:clrMapOvr>
+    <a:masterClrMapping/>
+  </p:clrMapOvr>
+</p:sld>
+</file>
+
 <file path=ppt/slides/slide2.xml><?xml version="1.0" encoding="utf-8"?>
 <p:sld xmlns:a="http://schemas.openxmlformats.org/drawingml/2006/main" xmlns:r="http://schemas.openxmlformats.org/officeDocument/2006/relationships" xmlns:p="http://schemas.openxmlformats.org/presentationml/2006/main">
   <p:cSld>
@@ -4104,7 +4213,11 @@
           <a:bodyPr/>
           <a:lstStyle/>
           <a:p>
-            <a:endParaRPr lang="en-GB"/>
+            <a:r>
+              <a:rPr lang="en-GB" dirty="0" err="1" smtClean="0"/>
+              <a:t>griddata</a:t>
+            </a:r>
+            <a:endParaRPr lang="en-GB" dirty="0"/>
           </a:p>
         </p:txBody>
       </p:sp>
